--- a/prelim/images/graphics.pptx
+++ b/prelim/images/graphics.pptx
@@ -247,7 +247,7 @@
           <a:p>
             <a:fld id="{127C64E5-CFA5-42E1-B485-9900FD4C4BA2}" type="datetimeFigureOut">
               <a:rPr lang="en-US" smtClean="0"/>
-              <a:t>4/5/2015</a:t>
+              <a:t>9/2/2015</a:t>
             </a:fld>
             <a:endParaRPr lang="en-US"/>
           </a:p>
@@ -417,7 +417,7 @@
           <a:p>
             <a:fld id="{127C64E5-CFA5-42E1-B485-9900FD4C4BA2}" type="datetimeFigureOut">
               <a:rPr lang="en-US" smtClean="0"/>
-              <a:t>4/5/2015</a:t>
+              <a:t>9/2/2015</a:t>
             </a:fld>
             <a:endParaRPr lang="en-US"/>
           </a:p>
@@ -597,7 +597,7 @@
           <a:p>
             <a:fld id="{127C64E5-CFA5-42E1-B485-9900FD4C4BA2}" type="datetimeFigureOut">
               <a:rPr lang="en-US" smtClean="0"/>
-              <a:t>4/5/2015</a:t>
+              <a:t>9/2/2015</a:t>
             </a:fld>
             <a:endParaRPr lang="en-US"/>
           </a:p>
@@ -767,7 +767,7 @@
           <a:p>
             <a:fld id="{127C64E5-CFA5-42E1-B485-9900FD4C4BA2}" type="datetimeFigureOut">
               <a:rPr lang="en-US" smtClean="0"/>
-              <a:t>4/5/2015</a:t>
+              <a:t>9/2/2015</a:t>
             </a:fld>
             <a:endParaRPr lang="en-US"/>
           </a:p>
@@ -1013,7 +1013,7 @@
           <a:p>
             <a:fld id="{127C64E5-CFA5-42E1-B485-9900FD4C4BA2}" type="datetimeFigureOut">
               <a:rPr lang="en-US" smtClean="0"/>
-              <a:t>4/5/2015</a:t>
+              <a:t>9/2/2015</a:t>
             </a:fld>
             <a:endParaRPr lang="en-US"/>
           </a:p>
@@ -1245,7 +1245,7 @@
           <a:p>
             <a:fld id="{127C64E5-CFA5-42E1-B485-9900FD4C4BA2}" type="datetimeFigureOut">
               <a:rPr lang="en-US" smtClean="0"/>
-              <a:t>4/5/2015</a:t>
+              <a:t>9/2/2015</a:t>
             </a:fld>
             <a:endParaRPr lang="en-US"/>
           </a:p>
@@ -1612,7 +1612,7 @@
           <a:p>
             <a:fld id="{127C64E5-CFA5-42E1-B485-9900FD4C4BA2}" type="datetimeFigureOut">
               <a:rPr lang="en-US" smtClean="0"/>
-              <a:t>4/5/2015</a:t>
+              <a:t>9/2/2015</a:t>
             </a:fld>
             <a:endParaRPr lang="en-US"/>
           </a:p>
@@ -1730,7 +1730,7 @@
           <a:p>
             <a:fld id="{127C64E5-CFA5-42E1-B485-9900FD4C4BA2}" type="datetimeFigureOut">
               <a:rPr lang="en-US" smtClean="0"/>
-              <a:t>4/5/2015</a:t>
+              <a:t>9/2/2015</a:t>
             </a:fld>
             <a:endParaRPr lang="en-US"/>
           </a:p>
@@ -1825,7 +1825,7 @@
           <a:p>
             <a:fld id="{127C64E5-CFA5-42E1-B485-9900FD4C4BA2}" type="datetimeFigureOut">
               <a:rPr lang="en-US" smtClean="0"/>
-              <a:t>4/5/2015</a:t>
+              <a:t>9/2/2015</a:t>
             </a:fld>
             <a:endParaRPr lang="en-US"/>
           </a:p>
@@ -2102,7 +2102,7 @@
           <a:p>
             <a:fld id="{127C64E5-CFA5-42E1-B485-9900FD4C4BA2}" type="datetimeFigureOut">
               <a:rPr lang="en-US" smtClean="0"/>
-              <a:t>4/5/2015</a:t>
+              <a:t>9/2/2015</a:t>
             </a:fld>
             <a:endParaRPr lang="en-US"/>
           </a:p>
@@ -2355,7 +2355,7 @@
           <a:p>
             <a:fld id="{127C64E5-CFA5-42E1-B485-9900FD4C4BA2}" type="datetimeFigureOut">
               <a:rPr lang="en-US" smtClean="0"/>
-              <a:t>4/5/2015</a:t>
+              <a:t>9/2/2015</a:t>
             </a:fld>
             <a:endParaRPr lang="en-US"/>
           </a:p>
@@ -2568,7 +2568,7 @@
           <a:p>
             <a:fld id="{127C64E5-CFA5-42E1-B485-9900FD4C4BA2}" type="datetimeFigureOut">
               <a:rPr lang="en-US" smtClean="0"/>
-              <a:t>4/5/2015</a:t>
+              <a:t>9/2/2015</a:t>
             </a:fld>
             <a:endParaRPr lang="en-US"/>
           </a:p>
@@ -5679,7 +5679,7 @@
         </p:nvSpPr>
         <p:spPr>
           <a:xfrm>
-            <a:off x="566670" y="3429742"/>
+            <a:off x="1427130" y="3365348"/>
             <a:ext cx="4301544" cy="3108543"/>
           </a:xfrm>
           <a:prstGeom prst="rect">
@@ -5748,7 +5748,7 @@
         </p:nvSpPr>
         <p:spPr>
           <a:xfrm>
-            <a:off x="6895548" y="3429741"/>
+            <a:off x="6885169" y="3365348"/>
             <a:ext cx="4581705" cy="3108543"/>
           </a:xfrm>
           <a:prstGeom prst="rect">
@@ -5949,8 +5949,8 @@
         </p:nvSpPr>
         <p:spPr>
           <a:xfrm>
-            <a:off x="8795541" y="2411241"/>
-            <a:ext cx="1669047" cy="954107"/>
+            <a:off x="8657434" y="2485622"/>
+            <a:ext cx="1807154" cy="707886"/>
           </a:xfrm>
           <a:prstGeom prst="rect">
             <a:avLst/>
@@ -5958,27 +5958,27 @@
           <a:noFill/>
         </p:spPr>
         <p:txBody>
-          <a:bodyPr wrap="none" rtlCol="0">
+          <a:bodyPr wrap="square" rtlCol="0">
             <a:spAutoFit/>
           </a:bodyPr>
           <a:lstStyle/>
           <a:p>
             <a:pPr algn="ctr"/>
             <a:r>
-              <a:rPr lang="en-US" sz="2800" dirty="0" smtClean="0">
+              <a:rPr lang="en-US" sz="2000" dirty="0" smtClean="0">
                 <a:latin typeface="Century" panose="02040604050505020304" pitchFamily="18" charset="0"/>
                 <a:cs typeface="Arial" panose="020B0604020202020204" pitchFamily="34" charset="0"/>
               </a:rPr>
               <a:t>Big Data</a:t>
             </a:r>
             <a:br>
-              <a:rPr lang="en-US" sz="2800" dirty="0" smtClean="0">
+              <a:rPr lang="en-US" sz="2000" dirty="0" smtClean="0">
                 <a:latin typeface="Century" panose="02040604050505020304" pitchFamily="18" charset="0"/>
                 <a:cs typeface="Arial" panose="020B0604020202020204" pitchFamily="34" charset="0"/>
               </a:rPr>
             </a:br>
             <a:r>
-              <a:rPr lang="en-US" sz="2800" dirty="0" smtClean="0">
+              <a:rPr lang="en-US" sz="2000" dirty="0" smtClean="0">
                 <a:latin typeface="Century" panose="02040604050505020304" pitchFamily="18" charset="0"/>
                 <a:cs typeface="Arial" panose="020B0604020202020204" pitchFamily="34" charset="0"/>
               </a:rPr>
@@ -5987,6 +5987,39 @@
           </a:p>
         </p:txBody>
       </p:sp>
+      <p:cxnSp>
+        <p:nvCxnSpPr>
+          <p:cNvPr id="16" name="Straight Connector 15"/>
+          <p:cNvCxnSpPr/>
+          <p:nvPr/>
+        </p:nvCxnSpPr>
+        <p:spPr>
+          <a:xfrm>
+            <a:off x="6193411" y="3502746"/>
+            <a:ext cx="0" cy="2833746"/>
+          </a:xfrm>
+          <a:prstGeom prst="line">
+            <a:avLst/>
+          </a:prstGeom>
+          <a:ln>
+            <a:prstDash val="dashDot"/>
+          </a:ln>
+        </p:spPr>
+        <p:style>
+          <a:lnRef idx="2">
+            <a:schemeClr val="dk1"/>
+          </a:lnRef>
+          <a:fillRef idx="0">
+            <a:schemeClr val="dk1"/>
+          </a:fillRef>
+          <a:effectRef idx="1">
+            <a:schemeClr val="dk1"/>
+          </a:effectRef>
+          <a:fontRef idx="minor">
+            <a:schemeClr val="tx1"/>
+          </a:fontRef>
+        </p:style>
+      </p:cxnSp>
     </p:spTree>
     <p:extLst>
       <p:ext uri="{BB962C8B-B14F-4D97-AF65-F5344CB8AC3E}">
